--- a/2023/03/PROJECT_GUI/3기 김병찬.pptx
+++ b/2023/03/PROJECT_GUI/3기 김병찬.pptx
@@ -4,9 +4,6 @@
   <p:sldMasterIdLst>
     <p:sldMasterId id="2147483648" r:id="rId1"/>
   </p:sldMasterIdLst>
-  <p:notesMasterIdLst>
-    <p:notesMasterId r:id="rId22"/>
-  </p:notesMasterIdLst>
   <p:sldIdLst>
     <p:sldId id="256" r:id="rId2"/>
     <p:sldId id="257" r:id="rId3"/>
@@ -27,7 +24,8 @@
     <p:sldId id="272" r:id="rId18"/>
     <p:sldId id="273" r:id="rId19"/>
     <p:sldId id="274" r:id="rId20"/>
-    <p:sldId id="275" r:id="rId21"/>
+    <p:sldId id="276" r:id="rId21"/>
+    <p:sldId id="275" r:id="rId22"/>
   </p:sldIdLst>
   <p:sldSz cx="18288000" cy="10287000"/>
   <p:notesSz cx="10287000" cy="18288000"/>
@@ -143,439 +141,6 @@
     </p:ext>
   </p:extLst>
 </p:presentation>
-</file>
-
-<file path=ppt/notesMasters/notesMaster1.xml><?xml version="1.0" encoding="utf-8"?>
-<p:notesMaster xmlns:a="http://schemas.openxmlformats.org/drawingml/2006/main" xmlns:r="http://schemas.openxmlformats.org/officeDocument/2006/relationships" xmlns:p="http://schemas.openxmlformats.org/presentationml/2006/main">
-  <p:cSld>
-    <p:bg>
-      <p:bgRef idx="1001">
-        <a:schemeClr val="bg1"/>
-      </p:bgRef>
-    </p:bg>
-    <p:spTree>
-      <p:nvGrpSpPr>
-        <p:cNvPr id="1" name=""/>
-        <p:cNvGrpSpPr/>
-        <p:nvPr/>
-      </p:nvGrpSpPr>
-      <p:grpSpPr>
-        <a:xfrm>
-          <a:off x="0" y="0"/>
-          <a:ext cx="0" cy="0"/>
-          <a:chOff x="0" y="0"/>
-          <a:chExt cx="0" cy="0"/>
-        </a:xfrm>
-      </p:grpSpPr>
-      <p:sp>
-        <p:nvSpPr>
-          <p:cNvPr id="2" name="머리글 개체 틀 1"/>
-          <p:cNvSpPr>
-            <a:spLocks noGrp="1"/>
-          </p:cNvSpPr>
-          <p:nvPr>
-            <p:ph type="hdr" sz="quarter"/>
-          </p:nvPr>
-        </p:nvSpPr>
-        <p:spPr>
-          <a:xfrm>
-            <a:off x="0" y="0"/>
-            <a:ext cx="4457700" cy="917575"/>
-          </a:xfrm>
-          <a:prstGeom prst="rect">
-            <a:avLst/>
-          </a:prstGeom>
-        </p:spPr>
-        <p:txBody>
-          <a:bodyPr vert="horz" lIns="91440" tIns="45720" rIns="91440" bIns="45720" rtlCol="0"/>
-          <a:lstStyle>
-            <a:lvl1pPr algn="l">
-              <a:defRPr sz="1200"/>
-            </a:lvl1pPr>
-          </a:lstStyle>
-          <a:p>
-            <a:endParaRPr lang="ko-KR" altLang="en-US"/>
-          </a:p>
-        </p:txBody>
-      </p:sp>
-      <p:sp>
-        <p:nvSpPr>
-          <p:cNvPr id="3" name="날짜 개체 틀 2"/>
-          <p:cNvSpPr>
-            <a:spLocks noGrp="1"/>
-          </p:cNvSpPr>
-          <p:nvPr>
-            <p:ph type="dt" idx="1"/>
-          </p:nvPr>
-        </p:nvSpPr>
-        <p:spPr>
-          <a:xfrm>
-            <a:off x="5827713" y="0"/>
-            <a:ext cx="4457700" cy="917575"/>
-          </a:xfrm>
-          <a:prstGeom prst="rect">
-            <a:avLst/>
-          </a:prstGeom>
-        </p:spPr>
-        <p:txBody>
-          <a:bodyPr vert="horz" lIns="91440" tIns="45720" rIns="91440" bIns="45720" rtlCol="0"/>
-          <a:lstStyle>
-            <a:lvl1pPr algn="r">
-              <a:defRPr sz="1200"/>
-            </a:lvl1pPr>
-          </a:lstStyle>
-          <a:p>
-            <a:fld id="{742EDA50-06A8-4041-B82F-F8C82DAC438A}" type="datetimeFigureOut">
-              <a:rPr lang="ko-KR" altLang="en-US" smtClean="0"/>
-              <a:t>2023-03-24</a:t>
-            </a:fld>
-            <a:endParaRPr lang="ko-KR" altLang="en-US"/>
-          </a:p>
-        </p:txBody>
-      </p:sp>
-      <p:sp>
-        <p:nvSpPr>
-          <p:cNvPr id="4" name="슬라이드 이미지 개체 틀 3"/>
-          <p:cNvSpPr>
-            <a:spLocks noGrp="1" noRot="1" noChangeAspect="1"/>
-          </p:cNvSpPr>
-          <p:nvPr>
-            <p:ph type="sldImg" idx="2"/>
-          </p:nvPr>
-        </p:nvSpPr>
-        <p:spPr>
-          <a:xfrm>
-            <a:off x="-342900" y="2286000"/>
-            <a:ext cx="10972800" cy="6172200"/>
-          </a:xfrm>
-          <a:prstGeom prst="rect">
-            <a:avLst/>
-          </a:prstGeom>
-          <a:noFill/>
-          <a:ln w="12700">
-            <a:solidFill>
-              <a:prstClr val="black"/>
-            </a:solidFill>
-          </a:ln>
-        </p:spPr>
-        <p:txBody>
-          <a:bodyPr vert="horz" lIns="91440" tIns="45720" rIns="91440" bIns="45720" rtlCol="0" anchor="ctr"/>
-          <a:lstStyle/>
-          <a:p>
-            <a:endParaRPr lang="ko-KR" altLang="en-US"/>
-          </a:p>
-        </p:txBody>
-      </p:sp>
-      <p:sp>
-        <p:nvSpPr>
-          <p:cNvPr id="5" name="슬라이드 노트 개체 틀 4"/>
-          <p:cNvSpPr>
-            <a:spLocks noGrp="1"/>
-          </p:cNvSpPr>
-          <p:nvPr>
-            <p:ph type="body" sz="quarter" idx="3"/>
-          </p:nvPr>
-        </p:nvSpPr>
-        <p:spPr>
-          <a:xfrm>
-            <a:off x="1028700" y="8801100"/>
-            <a:ext cx="8229600" cy="7200900"/>
-          </a:xfrm>
-          <a:prstGeom prst="rect">
-            <a:avLst/>
-          </a:prstGeom>
-        </p:spPr>
-        <p:txBody>
-          <a:bodyPr vert="horz" lIns="91440" tIns="45720" rIns="91440" bIns="45720" rtlCol="0"/>
-          <a:lstStyle/>
-          <a:p>
-            <a:pPr lvl="0"/>
-            <a:r>
-              <a:rPr lang="ko-KR" altLang="en-US"/>
-              <a:t>마스터 텍스트 스타일을 편집하려면 클릭</a:t>
-            </a:r>
-          </a:p>
-          <a:p>
-            <a:pPr lvl="1"/>
-            <a:r>
-              <a:rPr lang="ko-KR" altLang="en-US"/>
-              <a:t>두 번째 수준</a:t>
-            </a:r>
-          </a:p>
-          <a:p>
-            <a:pPr lvl="2"/>
-            <a:r>
-              <a:rPr lang="ko-KR" altLang="en-US"/>
-              <a:t>세 번째 수준</a:t>
-            </a:r>
-          </a:p>
-          <a:p>
-            <a:pPr lvl="3"/>
-            <a:r>
-              <a:rPr lang="ko-KR" altLang="en-US"/>
-              <a:t>네 번째 수준</a:t>
-            </a:r>
-          </a:p>
-          <a:p>
-            <a:pPr lvl="4"/>
-            <a:r>
-              <a:rPr lang="ko-KR" altLang="en-US"/>
-              <a:t>다섯 번째 수준</a:t>
-            </a:r>
-          </a:p>
-        </p:txBody>
-      </p:sp>
-      <p:sp>
-        <p:nvSpPr>
-          <p:cNvPr id="6" name="바닥글 개체 틀 5"/>
-          <p:cNvSpPr>
-            <a:spLocks noGrp="1"/>
-          </p:cNvSpPr>
-          <p:nvPr>
-            <p:ph type="ftr" sz="quarter" idx="4"/>
-          </p:nvPr>
-        </p:nvSpPr>
-        <p:spPr>
-          <a:xfrm>
-            <a:off x="0" y="17372013"/>
-            <a:ext cx="4457700" cy="915987"/>
-          </a:xfrm>
-          <a:prstGeom prst="rect">
-            <a:avLst/>
-          </a:prstGeom>
-        </p:spPr>
-        <p:txBody>
-          <a:bodyPr vert="horz" lIns="91440" tIns="45720" rIns="91440" bIns="45720" rtlCol="0" anchor="b"/>
-          <a:lstStyle>
-            <a:lvl1pPr algn="l">
-              <a:defRPr sz="1200"/>
-            </a:lvl1pPr>
-          </a:lstStyle>
-          <a:p>
-            <a:endParaRPr lang="ko-KR" altLang="en-US"/>
-          </a:p>
-        </p:txBody>
-      </p:sp>
-      <p:sp>
-        <p:nvSpPr>
-          <p:cNvPr id="7" name="슬라이드 번호 개체 틀 6"/>
-          <p:cNvSpPr>
-            <a:spLocks noGrp="1"/>
-          </p:cNvSpPr>
-          <p:nvPr>
-            <p:ph type="sldNum" sz="quarter" idx="5"/>
-          </p:nvPr>
-        </p:nvSpPr>
-        <p:spPr>
-          <a:xfrm>
-            <a:off x="5827713" y="17372013"/>
-            <a:ext cx="4457700" cy="915987"/>
-          </a:xfrm>
-          <a:prstGeom prst="rect">
-            <a:avLst/>
-          </a:prstGeom>
-        </p:spPr>
-        <p:txBody>
-          <a:bodyPr vert="horz" lIns="91440" tIns="45720" rIns="91440" bIns="45720" rtlCol="0" anchor="b"/>
-          <a:lstStyle>
-            <a:lvl1pPr algn="r">
-              <a:defRPr sz="1200"/>
-            </a:lvl1pPr>
-          </a:lstStyle>
-          <a:p>
-            <a:fld id="{BFB6E34F-4C88-4F4A-995F-48BF389E6A5C}" type="slidenum">
-              <a:rPr lang="ko-KR" altLang="en-US" smtClean="0"/>
-              <a:t>‹#›</a:t>
-            </a:fld>
-            <a:endParaRPr lang="ko-KR" altLang="en-US"/>
-          </a:p>
-        </p:txBody>
-      </p:sp>
-    </p:spTree>
-    <p:extLst>
-      <p:ext uri="{BB962C8B-B14F-4D97-AF65-F5344CB8AC3E}">
-        <p14:creationId xmlns:p14="http://schemas.microsoft.com/office/powerpoint/2010/main" val="493006593"/>
-      </p:ext>
-    </p:extLst>
-  </p:cSld>
-  <p:clrMap bg1="lt1" tx1="dk1" bg2="lt2" tx2="dk2" accent1="accent1" accent2="accent2" accent3="accent3" accent4="accent4" accent5="accent5" accent6="accent6" hlink="hlink" folHlink="folHlink"/>
-  <p:notesStyle>
-    <a:lvl1pPr marL="0" algn="l" defTabSz="914400" rtl="0" eaLnBrk="1" latinLnBrk="1" hangingPunct="1">
-      <a:defRPr sz="1200" kern="1200">
-        <a:solidFill>
-          <a:schemeClr val="tx1"/>
-        </a:solidFill>
-        <a:latin typeface="+mn-lt"/>
-        <a:ea typeface="+mn-ea"/>
-        <a:cs typeface="+mn-cs"/>
-      </a:defRPr>
-    </a:lvl1pPr>
-    <a:lvl2pPr marL="457200" algn="l" defTabSz="914400" rtl="0" eaLnBrk="1" latinLnBrk="1" hangingPunct="1">
-      <a:defRPr sz="1200" kern="1200">
-        <a:solidFill>
-          <a:schemeClr val="tx1"/>
-        </a:solidFill>
-        <a:latin typeface="+mn-lt"/>
-        <a:ea typeface="+mn-ea"/>
-        <a:cs typeface="+mn-cs"/>
-      </a:defRPr>
-    </a:lvl2pPr>
-    <a:lvl3pPr marL="914400" algn="l" defTabSz="914400" rtl="0" eaLnBrk="1" latinLnBrk="1" hangingPunct="1">
-      <a:defRPr sz="1200" kern="1200">
-        <a:solidFill>
-          <a:schemeClr val="tx1"/>
-        </a:solidFill>
-        <a:latin typeface="+mn-lt"/>
-        <a:ea typeface="+mn-ea"/>
-        <a:cs typeface="+mn-cs"/>
-      </a:defRPr>
-    </a:lvl3pPr>
-    <a:lvl4pPr marL="1371600" algn="l" defTabSz="914400" rtl="0" eaLnBrk="1" latinLnBrk="1" hangingPunct="1">
-      <a:defRPr sz="1200" kern="1200">
-        <a:solidFill>
-          <a:schemeClr val="tx1"/>
-        </a:solidFill>
-        <a:latin typeface="+mn-lt"/>
-        <a:ea typeface="+mn-ea"/>
-        <a:cs typeface="+mn-cs"/>
-      </a:defRPr>
-    </a:lvl4pPr>
-    <a:lvl5pPr marL="1828800" algn="l" defTabSz="914400" rtl="0" eaLnBrk="1" latinLnBrk="1" hangingPunct="1">
-      <a:defRPr sz="1200" kern="1200">
-        <a:solidFill>
-          <a:schemeClr val="tx1"/>
-        </a:solidFill>
-        <a:latin typeface="+mn-lt"/>
-        <a:ea typeface="+mn-ea"/>
-        <a:cs typeface="+mn-cs"/>
-      </a:defRPr>
-    </a:lvl5pPr>
-    <a:lvl6pPr marL="2286000" algn="l" defTabSz="914400" rtl="0" eaLnBrk="1" latinLnBrk="1" hangingPunct="1">
-      <a:defRPr sz="1200" kern="1200">
-        <a:solidFill>
-          <a:schemeClr val="tx1"/>
-        </a:solidFill>
-        <a:latin typeface="+mn-lt"/>
-        <a:ea typeface="+mn-ea"/>
-        <a:cs typeface="+mn-cs"/>
-      </a:defRPr>
-    </a:lvl6pPr>
-    <a:lvl7pPr marL="2743200" algn="l" defTabSz="914400" rtl="0" eaLnBrk="1" latinLnBrk="1" hangingPunct="1">
-      <a:defRPr sz="1200" kern="1200">
-        <a:solidFill>
-          <a:schemeClr val="tx1"/>
-        </a:solidFill>
-        <a:latin typeface="+mn-lt"/>
-        <a:ea typeface="+mn-ea"/>
-        <a:cs typeface="+mn-cs"/>
-      </a:defRPr>
-    </a:lvl7pPr>
-    <a:lvl8pPr marL="3200400" algn="l" defTabSz="914400" rtl="0" eaLnBrk="1" latinLnBrk="1" hangingPunct="1">
-      <a:defRPr sz="1200" kern="1200">
-        <a:solidFill>
-          <a:schemeClr val="tx1"/>
-        </a:solidFill>
-        <a:latin typeface="+mn-lt"/>
-        <a:ea typeface="+mn-ea"/>
-        <a:cs typeface="+mn-cs"/>
-      </a:defRPr>
-    </a:lvl8pPr>
-    <a:lvl9pPr marL="3657600" algn="l" defTabSz="914400" rtl="0" eaLnBrk="1" latinLnBrk="1" hangingPunct="1">
-      <a:defRPr sz="1200" kern="1200">
-        <a:solidFill>
-          <a:schemeClr val="tx1"/>
-        </a:solidFill>
-        <a:latin typeface="+mn-lt"/>
-        <a:ea typeface="+mn-ea"/>
-        <a:cs typeface="+mn-cs"/>
-      </a:defRPr>
-    </a:lvl9pPr>
-  </p:notesStyle>
-</p:notesMaster>
-</file>
-
-<file path=ppt/notesSlides/notesSlide1.xml><?xml version="1.0" encoding="utf-8"?>
-<p:notes xmlns:a="http://schemas.openxmlformats.org/drawingml/2006/main" xmlns:r="http://schemas.openxmlformats.org/officeDocument/2006/relationships" xmlns:p="http://schemas.openxmlformats.org/presentationml/2006/main">
-  <p:cSld>
-    <p:spTree>
-      <p:nvGrpSpPr>
-        <p:cNvPr id="1" name=""/>
-        <p:cNvGrpSpPr/>
-        <p:nvPr/>
-      </p:nvGrpSpPr>
-      <p:grpSpPr>
-        <a:xfrm>
-          <a:off x="0" y="0"/>
-          <a:ext cx="0" cy="0"/>
-          <a:chOff x="0" y="0"/>
-          <a:chExt cx="0" cy="0"/>
-        </a:xfrm>
-      </p:grpSpPr>
-      <p:sp>
-        <p:nvSpPr>
-          <p:cNvPr id="2" name="슬라이드 이미지 개체 틀 1"/>
-          <p:cNvSpPr>
-            <a:spLocks noGrp="1" noRot="1" noChangeAspect="1"/>
-          </p:cNvSpPr>
-          <p:nvPr>
-            <p:ph type="sldImg"/>
-          </p:nvPr>
-        </p:nvSpPr>
-        <p:spPr/>
-      </p:sp>
-      <p:sp>
-        <p:nvSpPr>
-          <p:cNvPr id="3" name="슬라이드 노트 개체 틀 2"/>
-          <p:cNvSpPr>
-            <a:spLocks noGrp="1"/>
-          </p:cNvSpPr>
-          <p:nvPr>
-            <p:ph type="body" idx="1"/>
-          </p:nvPr>
-        </p:nvSpPr>
-        <p:spPr/>
-        <p:txBody>
-          <a:bodyPr/>
-          <a:lstStyle/>
-          <a:p>
-            <a:endParaRPr lang="ko-KR" altLang="en-US" dirty="0"/>
-          </a:p>
-        </p:txBody>
-      </p:sp>
-      <p:sp>
-        <p:nvSpPr>
-          <p:cNvPr id="4" name="슬라이드 번호 개체 틀 3"/>
-          <p:cNvSpPr>
-            <a:spLocks noGrp="1"/>
-          </p:cNvSpPr>
-          <p:nvPr>
-            <p:ph type="sldNum" sz="quarter" idx="5"/>
-          </p:nvPr>
-        </p:nvSpPr>
-        <p:spPr/>
-        <p:txBody>
-          <a:bodyPr/>
-          <a:lstStyle/>
-          <a:p>
-            <a:fld id="{BFB6E34F-4C88-4F4A-995F-48BF389E6A5C}" type="slidenum">
-              <a:rPr lang="ko-KR" altLang="en-US" smtClean="0"/>
-              <a:t>1</a:t>
-            </a:fld>
-            <a:endParaRPr lang="ko-KR" altLang="en-US"/>
-          </a:p>
-        </p:txBody>
-      </p:sp>
-    </p:spTree>
-    <p:extLst>
-      <p:ext uri="{BB962C8B-B14F-4D97-AF65-F5344CB8AC3E}">
-        <p14:creationId xmlns:p14="http://schemas.microsoft.com/office/powerpoint/2010/main" val="1914027826"/>
-      </p:ext>
-    </p:extLst>
-  </p:cSld>
-  <p:clrMapOvr>
-    <a:masterClrMapping/>
-  </p:clrMapOvr>
-</p:notes>
 </file>
 
 <file path=ppt/slideLayouts/slideLayout1.xml><?xml version="1.0" encoding="utf-8"?>
@@ -757,7 +322,7 @@
           <a:p>
             <a:fld id="{F8166F1F-CE9B-4651-A6AA-CD717754106B}" type="datetimeFigureOut">
               <a:rPr lang="en-US" smtClean="0"/>
-              <a:t>3/24/2023</a:t>
+              <a:t>3/26/2023</a:t>
             </a:fld>
             <a:endParaRPr lang="en-US"/>
           </a:p>
@@ -920,7 +485,7 @@
           <a:p>
             <a:fld id="{A76116CE-C4A3-4A05-B2D7-7C2E9A889C0F}" type="datetimeFigureOut">
               <a:rPr lang="en-US" smtClean="0"/>
-              <a:t>3/24/2023</a:t>
+              <a:t>3/26/2023</a:t>
             </a:fld>
             <a:endParaRPr lang="en-US"/>
           </a:p>
@@ -1093,7 +658,7 @@
           <a:p>
             <a:fld id="{A76116CE-C4A3-4A05-B2D7-7C2E9A889C0F}" type="datetimeFigureOut">
               <a:rPr lang="en-US" smtClean="0"/>
-              <a:t>3/24/2023</a:t>
+              <a:t>3/26/2023</a:t>
             </a:fld>
             <a:endParaRPr lang="en-US"/>
           </a:p>
@@ -1258,7 +823,7 @@
           <a:p>
             <a:fld id="{A76116CE-C4A3-4A05-B2D7-7C2E9A889C0F}" type="datetimeFigureOut">
               <a:rPr lang="en-US" smtClean="0"/>
-              <a:t>3/24/2023</a:t>
+              <a:t>3/26/2023</a:t>
             </a:fld>
             <a:endParaRPr lang="en-US"/>
           </a:p>
@@ -1498,7 +1063,7 @@
           <a:p>
             <a:fld id="{A76116CE-C4A3-4A05-B2D7-7C2E9A889C0F}" type="datetimeFigureOut">
               <a:rPr lang="en-US" smtClean="0"/>
-              <a:t>3/24/2023</a:t>
+              <a:t>3/26/2023</a:t>
             </a:fld>
             <a:endParaRPr lang="en-US"/>
           </a:p>
@@ -1778,7 +1343,7 @@
           <a:p>
             <a:fld id="{A76116CE-C4A3-4A05-B2D7-7C2E9A889C0F}" type="datetimeFigureOut">
               <a:rPr lang="en-US" smtClean="0"/>
-              <a:t>3/24/2023</a:t>
+              <a:t>3/26/2023</a:t>
             </a:fld>
             <a:endParaRPr lang="en-US"/>
           </a:p>
@@ -2192,7 +1757,7 @@
           <a:p>
             <a:fld id="{A76116CE-C4A3-4A05-B2D7-7C2E9A889C0F}" type="datetimeFigureOut">
               <a:rPr lang="en-US" smtClean="0"/>
-              <a:t>3/24/2023</a:t>
+              <a:t>3/26/2023</a:t>
             </a:fld>
             <a:endParaRPr lang="en-US"/>
           </a:p>
@@ -2304,7 +1869,7 @@
           <a:p>
             <a:fld id="{A76116CE-C4A3-4A05-B2D7-7C2E9A889C0F}" type="datetimeFigureOut">
               <a:rPr lang="en-US" smtClean="0"/>
-              <a:t>3/24/2023</a:t>
+              <a:t>3/26/2023</a:t>
             </a:fld>
             <a:endParaRPr lang="en-US"/>
           </a:p>
@@ -2394,7 +1959,7 @@
           <a:p>
             <a:fld id="{A76116CE-C4A3-4A05-B2D7-7C2E9A889C0F}" type="datetimeFigureOut">
               <a:rPr lang="en-US" smtClean="0"/>
-              <a:t>3/24/2023</a:t>
+              <a:t>3/26/2023</a:t>
             </a:fld>
             <a:endParaRPr lang="en-US"/>
           </a:p>
@@ -2664,7 +2229,7 @@
           <a:p>
             <a:fld id="{A76116CE-C4A3-4A05-B2D7-7C2E9A889C0F}" type="datetimeFigureOut">
               <a:rPr lang="en-US" smtClean="0"/>
-              <a:t>3/24/2023</a:t>
+              <a:t>3/26/2023</a:t>
             </a:fld>
             <a:endParaRPr lang="en-US"/>
           </a:p>
@@ -2911,7 +2476,7 @@
           <a:p>
             <a:fld id="{A76116CE-C4A3-4A05-B2D7-7C2E9A889C0F}" type="datetimeFigureOut">
               <a:rPr lang="en-US" smtClean="0"/>
-              <a:t>3/24/2023</a:t>
+              <a:t>3/26/2023</a:t>
             </a:fld>
             <a:endParaRPr lang="en-US"/>
           </a:p>
@@ -3117,7 +2682,7 @@
           <a:p>
             <a:fld id="{F8166F1F-CE9B-4651-A6AA-CD717754106B}" type="datetimeFigureOut">
               <a:rPr lang="en-US" smtClean="0"/>
-              <a:t>3/24/2023</a:t>
+              <a:t>3/26/2023</a:t>
             </a:fld>
             <a:endParaRPr lang="en-US"/>
           </a:p>
@@ -3497,45 +3062,6 @@
       </p:grpSpPr>
       <p:grpSp>
         <p:nvGrpSpPr>
-          <p:cNvPr id="1006" name="그룹 1006"/>
-          <p:cNvGrpSpPr/>
-          <p:nvPr/>
-        </p:nvGrpSpPr>
-        <p:grpSpPr>
-          <a:xfrm>
-            <a:off x="4512898" y="2768812"/>
-            <a:ext cx="3591960" cy="3557118"/>
-            <a:chOff x="4512898" y="2768812"/>
-            <a:chExt cx="3591960" cy="3557118"/>
-          </a:xfrm>
-        </p:grpSpPr>
-        <p:pic>
-          <p:nvPicPr>
-            <p:cNvPr id="20" name="Object 19"/>
-            <p:cNvPicPr>
-              <a:picLocks noChangeAspect="1"/>
-            </p:cNvPicPr>
-            <p:nvPr/>
-          </p:nvPicPr>
-          <p:blipFill>
-            <a:blip r:embed="rId3" cstate="print"/>
-            <a:stretch>
-              <a:fillRect/>
-            </a:stretch>
-          </p:blipFill>
-          <p:spPr>
-            <a:xfrm>
-              <a:off x="4512898" y="2768812"/>
-              <a:ext cx="3591960" cy="3557118"/>
-            </a:xfrm>
-            <a:prstGeom prst="rect">
-              <a:avLst/>
-            </a:prstGeom>
-          </p:spPr>
-        </p:pic>
-      </p:grpSp>
-      <p:grpSp>
-        <p:nvGrpSpPr>
           <p:cNvPr id="1001" name="그룹 1001"/>
           <p:cNvGrpSpPr/>
           <p:nvPr/>
@@ -3557,7 +3083,7 @@
             <p:nvPr/>
           </p:nvPicPr>
           <p:blipFill>
-            <a:blip r:embed="rId4" cstate="print"/>
+            <a:blip r:embed="rId2" cstate="print"/>
             <a:stretch>
               <a:fillRect/>
             </a:stretch>
@@ -3596,7 +3122,7 @@
             <p:nvPr/>
           </p:nvPicPr>
           <p:blipFill>
-            <a:blip r:embed="rId5" cstate="print"/>
+            <a:blip r:embed="rId3" cstate="print"/>
             <a:stretch>
               <a:fillRect/>
             </a:stretch>
@@ -3621,15 +3147,39 @@
           <p:nvPr/>
         </p:nvPicPr>
         <p:blipFill>
-          <a:blip r:embed="rId6" cstate="print"/>
+          <a:blip r:embed="rId4" cstate="print"/>
           <a:stretch>
             <a:fillRect/>
           </a:stretch>
         </p:blipFill>
         <p:spPr>
           <a:xfrm>
-            <a:off x="5297349" y="1943511"/>
-            <a:ext cx="12913439" cy="4519080"/>
+            <a:off x="5297348" y="1943291"/>
+            <a:ext cx="13081642" cy="4514683"/>
+          </a:xfrm>
+          <a:prstGeom prst="rect">
+            <a:avLst/>
+          </a:prstGeom>
+        </p:spPr>
+      </p:pic>
+      <p:pic>
+        <p:nvPicPr>
+          <p:cNvPr id="9" name="Object 8"/>
+          <p:cNvPicPr>
+            <a:picLocks noChangeAspect="1"/>
+          </p:cNvPicPr>
+          <p:nvPr/>
+        </p:nvPicPr>
+        <p:blipFill>
+          <a:blip r:embed="rId5" cstate="print"/>
+          <a:stretch>
+            <a:fillRect/>
+          </a:stretch>
+        </p:blipFill>
+        <p:spPr>
+          <a:xfrm>
+            <a:off x="5214444" y="4765158"/>
+            <a:ext cx="12961660" cy="4508339"/>
           </a:xfrm>
           <a:prstGeom prst="rect">
             <a:avLst/>
@@ -3659,7 +3209,7 @@
             <p:nvPr/>
           </p:nvPicPr>
           <p:blipFill>
-            <a:blip r:embed="rId7" cstate="print"/>
+            <a:blip r:embed="rId6" cstate="print"/>
             <a:stretch>
               <a:fillRect/>
             </a:stretch>
@@ -3698,7 +3248,7 @@
             <p:nvPr/>
           </p:nvPicPr>
           <p:blipFill>
-            <a:blip r:embed="rId8" cstate="print"/>
+            <a:blip r:embed="rId7" cstate="print"/>
             <a:stretch>
               <a:fillRect/>
             </a:stretch>
@@ -3737,7 +3287,7 @@
             <p:nvPr/>
           </p:nvPicPr>
           <p:blipFill>
-            <a:blip r:embed="rId9" cstate="print"/>
+            <a:blip r:embed="rId8" cstate="print"/>
             <a:stretch>
               <a:fillRect/>
             </a:stretch>
@@ -3746,6 +3296,45 @@
             <a:xfrm>
               <a:off x="13666451" y="6609524"/>
               <a:ext cx="4820322" cy="4773565"/>
+            </a:xfrm>
+            <a:prstGeom prst="rect">
+              <a:avLst/>
+            </a:prstGeom>
+          </p:spPr>
+        </p:pic>
+      </p:grpSp>
+      <p:grpSp>
+        <p:nvGrpSpPr>
+          <p:cNvPr id="1006" name="그룹 1006"/>
+          <p:cNvGrpSpPr/>
+          <p:nvPr/>
+        </p:nvGrpSpPr>
+        <p:grpSpPr>
+          <a:xfrm>
+            <a:off x="4512898" y="2768812"/>
+            <a:ext cx="3591960" cy="3557118"/>
+            <a:chOff x="4512898" y="2768812"/>
+            <a:chExt cx="3591960" cy="3557118"/>
+          </a:xfrm>
+        </p:grpSpPr>
+        <p:pic>
+          <p:nvPicPr>
+            <p:cNvPr id="20" name="Object 19"/>
+            <p:cNvPicPr>
+              <a:picLocks noChangeAspect="1"/>
+            </p:cNvPicPr>
+            <p:nvPr/>
+          </p:nvPicPr>
+          <p:blipFill>
+            <a:blip r:embed="rId9" cstate="print"/>
+            <a:stretch>
+              <a:fillRect/>
+            </a:stretch>
+          </p:blipFill>
+          <p:spPr>
+            <a:xfrm>
+              <a:off x="4512898" y="2768812"/>
+              <a:ext cx="3591960" cy="3557118"/>
             </a:xfrm>
             <a:prstGeom prst="rect">
               <a:avLst/>
@@ -4044,30 +3633,6 @@
           </p:spPr>
         </p:pic>
       </p:grpSp>
-      <p:pic>
-        <p:nvPicPr>
-          <p:cNvPr id="9" name="Object 8"/>
-          <p:cNvPicPr>
-            <a:picLocks noChangeAspect="1"/>
-          </p:cNvPicPr>
-          <p:nvPr/>
-        </p:nvPicPr>
-        <p:blipFill>
-          <a:blip r:embed="rId19" cstate="print"/>
-          <a:stretch>
-            <a:fillRect/>
-          </a:stretch>
-        </p:blipFill>
-        <p:spPr>
-          <a:xfrm>
-            <a:off x="5214444" y="4765158"/>
-            <a:ext cx="12961660" cy="4508339"/>
-          </a:xfrm>
-          <a:prstGeom prst="rect">
-            <a:avLst/>
-          </a:prstGeom>
-        </p:spPr>
-      </p:pic>
     </p:spTree>
   </p:cSld>
   <p:clrMapOvr>
@@ -5001,48 +4566,33 @@
           </p:spPr>
         </p:pic>
       </p:grpSp>
-      <p:grpSp>
-        <p:nvGrpSpPr>
-          <p:cNvPr id="1003" name="그룹 1003"/>
-          <p:cNvGrpSpPr/>
-          <p:nvPr/>
-        </p:nvGrpSpPr>
-        <p:grpSpPr>
-          <a:xfrm>
-            <a:off x="14099295" y="6172836"/>
-            <a:ext cx="3588190" cy="3553385"/>
-            <a:chOff x="14099295" y="6172836"/>
-            <a:chExt cx="3588190" cy="3553385"/>
-          </a:xfrm>
-        </p:grpSpPr>
-        <p:pic>
-          <p:nvPicPr>
-            <p:cNvPr id="9" name="Object 8"/>
-            <p:cNvPicPr>
-              <a:picLocks noChangeAspect="1"/>
-            </p:cNvPicPr>
-            <p:nvPr/>
-          </p:nvPicPr>
-          <p:blipFill>
-            <a:blip r:embed="rId4" cstate="print"/>
-            <a:stretch>
-              <a:fillRect/>
-            </a:stretch>
-          </p:blipFill>
-          <p:spPr>
-            <a:xfrm>
-              <a:off x="14099295" y="6172836"/>
-              <a:ext cx="3588190" cy="3553385"/>
-            </a:xfrm>
-            <a:prstGeom prst="rect">
-              <a:avLst/>
-            </a:prstGeom>
-          </p:spPr>
-        </p:pic>
-      </p:grpSp>
       <p:pic>
         <p:nvPicPr>
-          <p:cNvPr id="11" name="Object 10"/>
+          <p:cNvPr id="8" name="Object 7"/>
+          <p:cNvPicPr>
+            <a:picLocks noChangeAspect="1"/>
+          </p:cNvPicPr>
+          <p:nvPr/>
+        </p:nvPicPr>
+        <p:blipFill>
+          <a:blip r:embed="rId4" cstate="print"/>
+          <a:stretch>
+            <a:fillRect/>
+          </a:stretch>
+        </p:blipFill>
+        <p:spPr>
+          <a:xfrm>
+            <a:off x="1561907" y="1433012"/>
+            <a:ext cx="3638390" cy="2031343"/>
+          </a:xfrm>
+          <a:prstGeom prst="rect">
+            <a:avLst/>
+          </a:prstGeom>
+        </p:spPr>
+      </p:pic>
+      <p:pic>
+        <p:nvPicPr>
+          <p:cNvPr id="9" name="Object 8"/>
           <p:cNvPicPr>
             <a:picLocks noChangeAspect="1"/>
           </p:cNvPicPr>
@@ -5056,8 +4606,8 @@
         </p:blipFill>
         <p:spPr>
           <a:xfrm>
-            <a:off x="1561907" y="1433012"/>
-            <a:ext cx="3638390" cy="2031343"/>
+            <a:off x="17064137" y="299343"/>
+            <a:ext cx="829198" cy="706738"/>
           </a:xfrm>
           <a:prstGeom prst="rect">
             <a:avLst/>
@@ -5066,7 +4616,7 @@
       </p:pic>
       <p:pic>
         <p:nvPicPr>
-          <p:cNvPr id="12" name="Object 11"/>
+          <p:cNvPr id="10" name="Object 9"/>
           <p:cNvPicPr>
             <a:picLocks noChangeAspect="1"/>
           </p:cNvPicPr>
@@ -5080,38 +4630,53 @@
         </p:blipFill>
         <p:spPr>
           <a:xfrm>
-            <a:off x="17064137" y="299343"/>
-            <a:ext cx="829198" cy="706738"/>
+            <a:off x="1270497" y="3781620"/>
+            <a:ext cx="6304966" cy="1831071"/>
           </a:xfrm>
           <a:prstGeom prst="rect">
             <a:avLst/>
           </a:prstGeom>
         </p:spPr>
       </p:pic>
-      <p:pic>
-        <p:nvPicPr>
-          <p:cNvPr id="13" name="Object 12"/>
-          <p:cNvPicPr>
-            <a:picLocks noChangeAspect="1"/>
-          </p:cNvPicPr>
-          <p:nvPr/>
-        </p:nvPicPr>
-        <p:blipFill>
-          <a:blip r:embed="rId7" cstate="print"/>
-          <a:stretch>
-            <a:fillRect/>
-          </a:stretch>
-        </p:blipFill>
-        <p:spPr>
-          <a:xfrm>
-            <a:off x="1270497" y="3781620"/>
-            <a:ext cx="6304966" cy="1831071"/>
-          </a:xfrm>
-          <a:prstGeom prst="rect">
-            <a:avLst/>
-          </a:prstGeom>
-        </p:spPr>
-      </p:pic>
+      <p:grpSp>
+        <p:nvGrpSpPr>
+          <p:cNvPr id="1003" name="그룹 1003"/>
+          <p:cNvGrpSpPr/>
+          <p:nvPr/>
+        </p:nvGrpSpPr>
+        <p:grpSpPr>
+          <a:xfrm>
+            <a:off x="914288" y="4003527"/>
+            <a:ext cx="133333" cy="1606115"/>
+            <a:chOff x="914288" y="4003527"/>
+            <a:chExt cx="133333" cy="1606115"/>
+          </a:xfrm>
+        </p:grpSpPr>
+        <p:pic>
+          <p:nvPicPr>
+            <p:cNvPr id="12" name="Object 11"/>
+            <p:cNvPicPr>
+              <a:picLocks noChangeAspect="1"/>
+            </p:cNvPicPr>
+            <p:nvPr/>
+          </p:nvPicPr>
+          <p:blipFill>
+            <a:blip r:embed="rId7" cstate="print"/>
+            <a:stretch>
+              <a:fillRect/>
+            </a:stretch>
+          </p:blipFill>
+          <p:spPr>
+            <a:xfrm>
+              <a:off x="914288" y="4003527"/>
+              <a:ext cx="133333" cy="1606115"/>
+            </a:xfrm>
+            <a:prstGeom prst="rect">
+              <a:avLst/>
+            </a:prstGeom>
+          </p:spPr>
+        </p:pic>
+      </p:grpSp>
       <p:grpSp>
         <p:nvGrpSpPr>
           <p:cNvPr id="1004" name="그룹 1004"/>
@@ -5120,10 +4685,10 @@
         </p:nvGrpSpPr>
         <p:grpSpPr>
           <a:xfrm>
-            <a:off x="914288" y="4003527"/>
-            <a:ext cx="133333" cy="1606115"/>
-            <a:chOff x="914288" y="4003527"/>
-            <a:chExt cx="133333" cy="1606115"/>
+            <a:off x="525073" y="4404900"/>
+            <a:ext cx="794946" cy="1767936"/>
+            <a:chOff x="525073" y="4404900"/>
+            <a:chExt cx="794946" cy="1767936"/>
           </a:xfrm>
         </p:grpSpPr>
         <p:pic>
@@ -5142,8 +4707,8 @@
           </p:blipFill>
           <p:spPr>
             <a:xfrm>
-              <a:off x="914288" y="4003527"/>
-              <a:ext cx="133333" cy="1606115"/>
+              <a:off x="525073" y="4404900"/>
+              <a:ext cx="794946" cy="1767936"/>
             </a:xfrm>
             <a:prstGeom prst="rect">
               <a:avLst/>
@@ -5159,10 +4724,10 @@
         </p:nvGrpSpPr>
         <p:grpSpPr>
           <a:xfrm>
-            <a:off x="525073" y="4404900"/>
-            <a:ext cx="794946" cy="1767936"/>
-            <a:chOff x="525073" y="4404900"/>
-            <a:chExt cx="794946" cy="1767936"/>
+            <a:off x="635376" y="6768765"/>
+            <a:ext cx="7933250" cy="1411850"/>
+            <a:chOff x="635376" y="6768765"/>
+            <a:chExt cx="7933250" cy="1411850"/>
           </a:xfrm>
         </p:grpSpPr>
         <p:pic>
@@ -5181,8 +4746,8 @@
           </p:blipFill>
           <p:spPr>
             <a:xfrm>
-              <a:off x="525073" y="4404900"/>
-              <a:ext cx="794946" cy="1767936"/>
+              <a:off x="635376" y="6768765"/>
+              <a:ext cx="7933250" cy="1411850"/>
             </a:xfrm>
             <a:prstGeom prst="rect">
               <a:avLst/>
@@ -5198,10 +4763,10 @@
         </p:nvGrpSpPr>
         <p:grpSpPr>
           <a:xfrm>
-            <a:off x="635376" y="6768765"/>
-            <a:ext cx="7933250" cy="1411850"/>
-            <a:chOff x="635376" y="6768765"/>
-            <a:chExt cx="7933250" cy="1411850"/>
+            <a:off x="11554505" y="1910664"/>
+            <a:ext cx="6171429" cy="1004056"/>
+            <a:chOff x="11554505" y="1910664"/>
+            <a:chExt cx="6171429" cy="1004056"/>
           </a:xfrm>
         </p:grpSpPr>
         <p:pic>
@@ -5220,8 +4785,8 @@
           </p:blipFill>
           <p:spPr>
             <a:xfrm>
-              <a:off x="635376" y="6768765"/>
-              <a:ext cx="7933250" cy="1411850"/>
+              <a:off x="11554505" y="1910664"/>
+              <a:ext cx="6171429" cy="1004056"/>
             </a:xfrm>
             <a:prstGeom prst="rect">
               <a:avLst/>
@@ -5237,10 +4802,10 @@
         </p:nvGrpSpPr>
         <p:grpSpPr>
           <a:xfrm>
-            <a:off x="11554505" y="1910664"/>
-            <a:ext cx="6171429" cy="1004056"/>
-            <a:chOff x="11554505" y="1910664"/>
-            <a:chExt cx="6171429" cy="1004056"/>
+            <a:off x="11602124" y="925109"/>
+            <a:ext cx="2816129" cy="598427"/>
+            <a:chOff x="11602124" y="925109"/>
+            <a:chExt cx="2816129" cy="598427"/>
           </a:xfrm>
         </p:grpSpPr>
         <p:pic>
@@ -5259,8 +4824,8 @@
           </p:blipFill>
           <p:spPr>
             <a:xfrm>
-              <a:off x="11554505" y="1910664"/>
-              <a:ext cx="6171429" cy="1004056"/>
+              <a:off x="11602124" y="925109"/>
+              <a:ext cx="2816129" cy="598427"/>
             </a:xfrm>
             <a:prstGeom prst="rect">
               <a:avLst/>
@@ -5276,45 +4841,6 @@
         </p:nvGrpSpPr>
         <p:grpSpPr>
           <a:xfrm>
-            <a:off x="11602124" y="925109"/>
-            <a:ext cx="2816129" cy="598427"/>
-            <a:chOff x="11602124" y="925109"/>
-            <a:chExt cx="2816129" cy="598427"/>
-          </a:xfrm>
-        </p:grpSpPr>
-        <p:pic>
-          <p:nvPicPr>
-            <p:cNvPr id="27" name="Object 26"/>
-            <p:cNvPicPr>
-              <a:picLocks noChangeAspect="1"/>
-            </p:cNvPicPr>
-            <p:nvPr/>
-          </p:nvPicPr>
-          <p:blipFill>
-            <a:blip r:embed="rId12" cstate="print"/>
-            <a:stretch>
-              <a:fillRect/>
-            </a:stretch>
-          </p:blipFill>
-          <p:spPr>
-            <a:xfrm>
-              <a:off x="11602124" y="925109"/>
-              <a:ext cx="2816129" cy="598427"/>
-            </a:xfrm>
-            <a:prstGeom prst="rect">
-              <a:avLst/>
-            </a:prstGeom>
-          </p:spPr>
-        </p:pic>
-      </p:grpSp>
-      <p:grpSp>
-        <p:nvGrpSpPr>
-          <p:cNvPr id="1009" name="그룹 1009"/>
-          <p:cNvGrpSpPr/>
-          <p:nvPr/>
-        </p:nvGrpSpPr>
-        <p:grpSpPr>
-          <a:xfrm>
             <a:off x="11592600" y="1607754"/>
             <a:ext cx="2616058" cy="284526"/>
             <a:chOff x="11592600" y="1607754"/>
@@ -5323,14 +4849,14 @@
         </p:grpSpPr>
         <p:pic>
           <p:nvPicPr>
-            <p:cNvPr id="30" name="Object 29"/>
-            <p:cNvPicPr>
-              <a:picLocks noChangeAspect="1"/>
-            </p:cNvPicPr>
-            <p:nvPr/>
-          </p:nvPicPr>
-          <p:blipFill>
-            <a:blip r:embed="rId13" cstate="print"/>
+            <p:cNvPr id="27" name="Object 26"/>
+            <p:cNvPicPr>
+              <a:picLocks noChangeAspect="1"/>
+            </p:cNvPicPr>
+            <p:nvPr/>
+          </p:nvPicPr>
+          <p:blipFill>
+            <a:blip r:embed="rId12" cstate="print"/>
             <a:stretch>
               <a:fillRect/>
             </a:stretch>
@@ -5369,7 +4895,7 @@
             <p:nvPr/>
           </p:nvPicPr>
           <p:blipFill>
-            <a:blip r:embed="rId14" cstate="print"/>
+            <a:blip r:embed="rId13" cstate="print"/>
             <a:stretch>
               <a:fillRect/>
             </a:stretch>
@@ -5385,6 +4911,105 @@
           </p:spPr>
         </p:pic>
       </p:grpSp>
+      <p:pic>
+        <p:nvPicPr>
+          <p:cNvPr id="4" name="그림 3">
+            <a:extLst>
+              <a:ext uri="{FF2B5EF4-FFF2-40B4-BE49-F238E27FC236}">
+                <a16:creationId xmlns:a16="http://schemas.microsoft.com/office/drawing/2014/main" id="{769CB804-7C92-C9A6-6808-2C5BBA3D1DE4}"/>
+              </a:ext>
+            </a:extLst>
+          </p:cNvPr>
+          <p:cNvPicPr>
+            <a:picLocks noChangeAspect="1"/>
+          </p:cNvPicPr>
+          <p:nvPr/>
+        </p:nvPicPr>
+        <p:blipFill>
+          <a:blip r:embed="rId14"/>
+          <a:stretch>
+            <a:fillRect/>
+          </a:stretch>
+        </p:blipFill>
+        <p:spPr>
+          <a:xfrm>
+            <a:off x="8001000" y="3169436"/>
+            <a:ext cx="8860900" cy="5631664"/>
+          </a:xfrm>
+          <a:prstGeom prst="rect">
+            <a:avLst/>
+          </a:prstGeom>
+        </p:spPr>
+      </p:pic>
+      <p:grpSp>
+        <p:nvGrpSpPr>
+          <p:cNvPr id="1011" name="그룹 1011"/>
+          <p:cNvGrpSpPr/>
+          <p:nvPr/>
+        </p:nvGrpSpPr>
+        <p:grpSpPr>
+          <a:xfrm>
+            <a:off x="14099295" y="6172836"/>
+            <a:ext cx="3588190" cy="3553385"/>
+            <a:chOff x="14099295" y="6172836"/>
+            <a:chExt cx="3588190" cy="3553385"/>
+          </a:xfrm>
+        </p:grpSpPr>
+        <p:pic>
+          <p:nvPicPr>
+            <p:cNvPr id="36" name="Object 35"/>
+            <p:cNvPicPr>
+              <a:picLocks noChangeAspect="1"/>
+            </p:cNvPicPr>
+            <p:nvPr/>
+          </p:nvPicPr>
+          <p:blipFill>
+            <a:blip r:embed="rId15" cstate="print"/>
+            <a:stretch>
+              <a:fillRect/>
+            </a:stretch>
+          </p:blipFill>
+          <p:spPr>
+            <a:xfrm>
+              <a:off x="14099295" y="6172836"/>
+              <a:ext cx="3588190" cy="3553385"/>
+            </a:xfrm>
+            <a:prstGeom prst="rect">
+              <a:avLst/>
+            </a:prstGeom>
+          </p:spPr>
+        </p:pic>
+      </p:grpSp>
+      <p:pic>
+        <p:nvPicPr>
+          <p:cNvPr id="7" name="그림 6">
+            <a:extLst>
+              <a:ext uri="{FF2B5EF4-FFF2-40B4-BE49-F238E27FC236}">
+                <a16:creationId xmlns:a16="http://schemas.microsoft.com/office/drawing/2014/main" id="{A000AB86-DEAA-1B03-34AC-CF6CAB3D908B}"/>
+              </a:ext>
+            </a:extLst>
+          </p:cNvPr>
+          <p:cNvPicPr>
+            <a:picLocks noChangeAspect="1"/>
+          </p:cNvPicPr>
+          <p:nvPr/>
+        </p:nvPicPr>
+        <p:blipFill>
+          <a:blip r:embed="rId16"/>
+          <a:stretch>
+            <a:fillRect/>
+          </a:stretch>
+        </p:blipFill>
+        <p:spPr>
+          <a:xfrm>
+            <a:off x="7860069" y="8776545"/>
+            <a:ext cx="895475" cy="481756"/>
+          </a:xfrm>
+          <a:prstGeom prst="rect">
+            <a:avLst/>
+          </a:prstGeom>
+        </p:spPr>
+      </p:pic>
     </p:spTree>
   </p:cSld>
   <p:clrMapOvr>
@@ -6222,6 +5847,54 @@
           <a:chExt cx="0" cy="0"/>
         </a:xfrm>
       </p:grpSpPr>
+      <p:pic>
+        <p:nvPicPr>
+          <p:cNvPr id="2" name="Object 1"/>
+          <p:cNvPicPr>
+            <a:picLocks noChangeAspect="1"/>
+          </p:cNvPicPr>
+          <p:nvPr/>
+        </p:nvPicPr>
+        <p:blipFill>
+          <a:blip r:embed="rId2" cstate="print"/>
+          <a:stretch>
+            <a:fillRect/>
+          </a:stretch>
+        </p:blipFill>
+        <p:spPr>
+          <a:xfrm>
+            <a:off x="1561907" y="1433012"/>
+            <a:ext cx="3471229" cy="2006638"/>
+          </a:xfrm>
+          <a:prstGeom prst="rect">
+            <a:avLst/>
+          </a:prstGeom>
+        </p:spPr>
+      </p:pic>
+      <p:pic>
+        <p:nvPicPr>
+          <p:cNvPr id="3" name="Object 2"/>
+          <p:cNvPicPr>
+            <a:picLocks noChangeAspect="1"/>
+          </p:cNvPicPr>
+          <p:nvPr/>
+        </p:nvPicPr>
+        <p:blipFill>
+          <a:blip r:embed="rId3" cstate="print"/>
+          <a:stretch>
+            <a:fillRect/>
+          </a:stretch>
+        </p:blipFill>
+        <p:spPr>
+          <a:xfrm>
+            <a:off x="1270497" y="3781620"/>
+            <a:ext cx="5876223" cy="1240176"/>
+          </a:xfrm>
+          <a:prstGeom prst="rect">
+            <a:avLst/>
+          </a:prstGeom>
+        </p:spPr>
+      </p:pic>
       <p:grpSp>
         <p:nvGrpSpPr>
           <p:cNvPr id="1001" name="그룹 1001"/>
@@ -6230,30 +5903,30 @@
         </p:nvGrpSpPr>
         <p:grpSpPr>
           <a:xfrm>
-            <a:off x="7189886" y="750500"/>
-            <a:ext cx="9673103" cy="8498973"/>
-            <a:chOff x="7189886" y="750500"/>
-            <a:chExt cx="9673103" cy="8498973"/>
+            <a:off x="914288" y="4003527"/>
+            <a:ext cx="133333" cy="1228070"/>
+            <a:chOff x="914288" y="4003527"/>
+            <a:chExt cx="133333" cy="1228070"/>
           </a:xfrm>
         </p:grpSpPr>
         <p:pic>
           <p:nvPicPr>
-            <p:cNvPr id="3" name="Object 2"/>
-            <p:cNvPicPr>
-              <a:picLocks noChangeAspect="1"/>
-            </p:cNvPicPr>
-            <p:nvPr/>
-          </p:nvPicPr>
-          <p:blipFill>
-            <a:blip r:embed="rId2" cstate="print"/>
-            <a:stretch>
-              <a:fillRect/>
-            </a:stretch>
-          </p:blipFill>
-          <p:spPr>
-            <a:xfrm>
-              <a:off x="7189886" y="750500"/>
-              <a:ext cx="9673103" cy="8498973"/>
+            <p:cNvPr id="5" name="Object 4"/>
+            <p:cNvPicPr>
+              <a:picLocks noChangeAspect="1"/>
+            </p:cNvPicPr>
+            <p:nvPr/>
+          </p:nvPicPr>
+          <p:blipFill>
+            <a:blip r:embed="rId4" cstate="print"/>
+            <a:stretch>
+              <a:fillRect/>
+            </a:stretch>
+          </p:blipFill>
+          <p:spPr>
+            <a:xfrm>
+              <a:off x="914288" y="4003527"/>
+              <a:ext cx="133333" cy="1228070"/>
             </a:xfrm>
             <a:prstGeom prst="rect">
               <a:avLst/>
@@ -6269,30 +5942,30 @@
         </p:nvGrpSpPr>
         <p:grpSpPr>
           <a:xfrm>
-            <a:off x="14611632" y="9052125"/>
-            <a:ext cx="3683606" cy="1237763"/>
-            <a:chOff x="14611632" y="9052125"/>
-            <a:chExt cx="3683606" cy="1237763"/>
+            <a:off x="6956682" y="398669"/>
+            <a:ext cx="10403680" cy="9272338"/>
+            <a:chOff x="6956682" y="398669"/>
+            <a:chExt cx="10403680" cy="9272338"/>
           </a:xfrm>
         </p:grpSpPr>
         <p:pic>
           <p:nvPicPr>
-            <p:cNvPr id="6" name="Object 5"/>
-            <p:cNvPicPr>
-              <a:picLocks noChangeAspect="1"/>
-            </p:cNvPicPr>
-            <p:nvPr/>
-          </p:nvPicPr>
-          <p:blipFill>
-            <a:blip r:embed="rId3" cstate="print"/>
-            <a:stretch>
-              <a:fillRect/>
-            </a:stretch>
-          </p:blipFill>
-          <p:spPr>
-            <a:xfrm>
-              <a:off x="14611632" y="9052125"/>
-              <a:ext cx="3683606" cy="1237763"/>
+            <p:cNvPr id="8" name="Object 7"/>
+            <p:cNvPicPr>
+              <a:picLocks noChangeAspect="1"/>
+            </p:cNvPicPr>
+            <p:nvPr/>
+          </p:nvPicPr>
+          <p:blipFill>
+            <a:blip r:embed="rId5" cstate="print"/>
+            <a:stretch>
+              <a:fillRect/>
+            </a:stretch>
+          </p:blipFill>
+          <p:spPr>
+            <a:xfrm>
+              <a:off x="6956682" y="398669"/>
+              <a:ext cx="10403680" cy="9272338"/>
             </a:xfrm>
             <a:prstGeom prst="rect">
               <a:avLst/>
@@ -6308,6 +5981,45 @@
         </p:nvGrpSpPr>
         <p:grpSpPr>
           <a:xfrm>
+            <a:off x="14611632" y="9052125"/>
+            <a:ext cx="3683606" cy="1237763"/>
+            <a:chOff x="14611632" y="9052125"/>
+            <a:chExt cx="3683606" cy="1237763"/>
+          </a:xfrm>
+        </p:grpSpPr>
+        <p:pic>
+          <p:nvPicPr>
+            <p:cNvPr id="11" name="Object 10"/>
+            <p:cNvPicPr>
+              <a:picLocks noChangeAspect="1"/>
+            </p:cNvPicPr>
+            <p:nvPr/>
+          </p:nvPicPr>
+          <p:blipFill>
+            <a:blip r:embed="rId6" cstate="print"/>
+            <a:stretch>
+              <a:fillRect/>
+            </a:stretch>
+          </p:blipFill>
+          <p:spPr>
+            <a:xfrm>
+              <a:off x="14611632" y="9052125"/>
+              <a:ext cx="3683606" cy="1237763"/>
+            </a:xfrm>
+            <a:prstGeom prst="rect">
+              <a:avLst/>
+            </a:prstGeom>
+          </p:spPr>
+        </p:pic>
+      </p:grpSp>
+      <p:grpSp>
+        <p:nvGrpSpPr>
+          <p:cNvPr id="1004" name="그룹 1004"/>
+          <p:cNvGrpSpPr/>
+          <p:nvPr/>
+        </p:nvGrpSpPr>
+        <p:grpSpPr>
+          <a:xfrm>
             <a:off x="14013934" y="6172836"/>
             <a:ext cx="3588190" cy="3553385"/>
             <a:chOff x="14013934" y="6172836"/>
@@ -6316,14 +6028,14 @@
         </p:grpSpPr>
         <p:pic>
           <p:nvPicPr>
-            <p:cNvPr id="9" name="Object 8"/>
-            <p:cNvPicPr>
-              <a:picLocks noChangeAspect="1"/>
-            </p:cNvPicPr>
-            <p:nvPr/>
-          </p:nvPicPr>
-          <p:blipFill>
-            <a:blip r:embed="rId4" cstate="print"/>
+            <p:cNvPr id="14" name="Object 13"/>
+            <p:cNvPicPr>
+              <a:picLocks noChangeAspect="1"/>
+            </p:cNvPicPr>
+            <p:nvPr/>
+          </p:nvPicPr>
+          <p:blipFill>
+            <a:blip r:embed="rId7" cstate="print"/>
             <a:stretch>
               <a:fillRect/>
             </a:stretch>
@@ -6341,115 +6053,28 @@
       </p:grpSp>
       <p:pic>
         <p:nvPicPr>
-          <p:cNvPr id="11" name="Object 10"/>
+          <p:cNvPr id="16" name="Object 15"/>
           <p:cNvPicPr>
             <a:picLocks noChangeAspect="1"/>
           </p:cNvPicPr>
           <p:nvPr/>
         </p:nvPicPr>
         <p:blipFill>
-          <a:blip r:embed="rId5" cstate="print"/>
+          <a:blip r:embed="rId8" cstate="print"/>
           <a:stretch>
             <a:fillRect/>
           </a:stretch>
         </p:blipFill>
         <p:spPr>
           <a:xfrm>
-            <a:off x="1561907" y="1433012"/>
-            <a:ext cx="3471229" cy="2006638"/>
+            <a:off x="17064137" y="337377"/>
+            <a:ext cx="829197" cy="702966"/>
           </a:xfrm>
           <a:prstGeom prst="rect">
             <a:avLst/>
           </a:prstGeom>
         </p:spPr>
       </p:pic>
-      <p:pic>
-        <p:nvPicPr>
-          <p:cNvPr id="12" name="Object 11"/>
-          <p:cNvPicPr>
-            <a:picLocks noChangeAspect="1"/>
-          </p:cNvPicPr>
-          <p:nvPr/>
-        </p:nvPicPr>
-        <p:blipFill>
-          <a:blip r:embed="rId6" cstate="print"/>
-          <a:stretch>
-            <a:fillRect/>
-          </a:stretch>
-        </p:blipFill>
-        <p:spPr>
-          <a:xfrm>
-            <a:off x="17064137" y="337377"/>
-            <a:ext cx="829197" cy="702966"/>
-          </a:xfrm>
-          <a:prstGeom prst="rect">
-            <a:avLst/>
-          </a:prstGeom>
-        </p:spPr>
-      </p:pic>
-      <p:pic>
-        <p:nvPicPr>
-          <p:cNvPr id="13" name="Object 12"/>
-          <p:cNvPicPr>
-            <a:picLocks noChangeAspect="1"/>
-          </p:cNvPicPr>
-          <p:nvPr/>
-        </p:nvPicPr>
-        <p:blipFill>
-          <a:blip r:embed="rId7" cstate="print"/>
-          <a:stretch>
-            <a:fillRect/>
-          </a:stretch>
-        </p:blipFill>
-        <p:spPr>
-          <a:xfrm>
-            <a:off x="1270497" y="3781620"/>
-            <a:ext cx="5876223" cy="1240176"/>
-          </a:xfrm>
-          <a:prstGeom prst="rect">
-            <a:avLst/>
-          </a:prstGeom>
-        </p:spPr>
-      </p:pic>
-      <p:grpSp>
-        <p:nvGrpSpPr>
-          <p:cNvPr id="1004" name="그룹 1004"/>
-          <p:cNvGrpSpPr/>
-          <p:nvPr/>
-        </p:nvGrpSpPr>
-        <p:grpSpPr>
-          <a:xfrm>
-            <a:off x="914288" y="4003527"/>
-            <a:ext cx="133333" cy="1228070"/>
-            <a:chOff x="914288" y="4003527"/>
-            <a:chExt cx="133333" cy="1228070"/>
-          </a:xfrm>
-        </p:grpSpPr>
-        <p:pic>
-          <p:nvPicPr>
-            <p:cNvPr id="15" name="Object 14"/>
-            <p:cNvPicPr>
-              <a:picLocks noChangeAspect="1"/>
-            </p:cNvPicPr>
-            <p:nvPr/>
-          </p:nvPicPr>
-          <p:blipFill>
-            <a:blip r:embed="rId8" cstate="print"/>
-            <a:stretch>
-              <a:fillRect/>
-            </a:stretch>
-          </p:blipFill>
-          <p:spPr>
-            <a:xfrm>
-              <a:off x="914288" y="4003527"/>
-              <a:ext cx="133333" cy="1228070"/>
-            </a:xfrm>
-            <a:prstGeom prst="rect">
-              <a:avLst/>
-            </a:prstGeom>
-          </p:spPr>
-        </p:pic>
-      </p:grpSp>
     </p:spTree>
   </p:cSld>
   <p:clrMapOvr>
@@ -9369,6 +8994,162 @@
 </file>
 
 <file path=ppt/slides/slide20.xml><?xml version="1.0" encoding="utf-8"?>
+<p:sld xmlns:a="http://schemas.openxmlformats.org/drawingml/2006/main" xmlns:r="http://schemas.openxmlformats.org/officeDocument/2006/relationships" xmlns:p="http://schemas.openxmlformats.org/presentationml/2006/main">
+  <p:cSld>
+    <p:spTree>
+      <p:nvGrpSpPr>
+        <p:cNvPr id="1" name=""/>
+        <p:cNvGrpSpPr/>
+        <p:nvPr/>
+      </p:nvGrpSpPr>
+      <p:grpSpPr>
+        <a:xfrm>
+          <a:off x="0" y="0"/>
+          <a:ext cx="0" cy="0"/>
+          <a:chOff x="0" y="0"/>
+          <a:chExt cx="0" cy="0"/>
+        </a:xfrm>
+      </p:grpSpPr>
+      <p:grpSp>
+        <p:nvGrpSpPr>
+          <p:cNvPr id="1001" name="그룹 1001"/>
+          <p:cNvGrpSpPr/>
+          <p:nvPr/>
+        </p:nvGrpSpPr>
+        <p:grpSpPr>
+          <a:xfrm>
+            <a:off x="14611632" y="9052125"/>
+            <a:ext cx="3683606" cy="1237763"/>
+            <a:chOff x="14611632" y="9052125"/>
+            <a:chExt cx="3683606" cy="1237763"/>
+          </a:xfrm>
+        </p:grpSpPr>
+        <p:pic>
+          <p:nvPicPr>
+            <p:cNvPr id="3" name="Object 2"/>
+            <p:cNvPicPr>
+              <a:picLocks noChangeAspect="1"/>
+            </p:cNvPicPr>
+            <p:nvPr/>
+          </p:nvPicPr>
+          <p:blipFill>
+            <a:blip r:embed="rId2" cstate="print"/>
+            <a:stretch>
+              <a:fillRect/>
+            </a:stretch>
+          </p:blipFill>
+          <p:spPr>
+            <a:xfrm>
+              <a:off x="14611632" y="9052125"/>
+              <a:ext cx="3683606" cy="1237763"/>
+            </a:xfrm>
+            <a:prstGeom prst="rect">
+              <a:avLst/>
+            </a:prstGeom>
+          </p:spPr>
+        </p:pic>
+      </p:grpSp>
+      <p:grpSp>
+        <p:nvGrpSpPr>
+          <p:cNvPr id="1002" name="그룹 1002"/>
+          <p:cNvGrpSpPr/>
+          <p:nvPr/>
+        </p:nvGrpSpPr>
+        <p:grpSpPr>
+          <a:xfrm>
+            <a:off x="14013934" y="6172836"/>
+            <a:ext cx="3588190" cy="3553385"/>
+            <a:chOff x="14013934" y="6172836"/>
+            <a:chExt cx="3588190" cy="3553385"/>
+          </a:xfrm>
+        </p:grpSpPr>
+        <p:pic>
+          <p:nvPicPr>
+            <p:cNvPr id="6" name="Object 5"/>
+            <p:cNvPicPr>
+              <a:picLocks noChangeAspect="1"/>
+            </p:cNvPicPr>
+            <p:nvPr/>
+          </p:nvPicPr>
+          <p:blipFill>
+            <a:blip r:embed="rId3" cstate="print"/>
+            <a:stretch>
+              <a:fillRect/>
+            </a:stretch>
+          </p:blipFill>
+          <p:spPr>
+            <a:xfrm>
+              <a:off x="14013934" y="6172836"/>
+              <a:ext cx="3588190" cy="3553385"/>
+            </a:xfrm>
+            <a:prstGeom prst="rect">
+              <a:avLst/>
+            </a:prstGeom>
+          </p:spPr>
+        </p:pic>
+      </p:grpSp>
+      <p:pic>
+        <p:nvPicPr>
+          <p:cNvPr id="8" name="Object 7"/>
+          <p:cNvPicPr>
+            <a:picLocks noChangeAspect="1"/>
+          </p:cNvPicPr>
+          <p:nvPr/>
+        </p:nvPicPr>
+        <p:blipFill>
+          <a:blip r:embed="rId4" cstate="print"/>
+          <a:stretch>
+            <a:fillRect/>
+          </a:stretch>
+        </p:blipFill>
+        <p:spPr>
+          <a:xfrm>
+            <a:off x="1571431" y="1433012"/>
+            <a:ext cx="2951448" cy="1137695"/>
+          </a:xfrm>
+          <a:prstGeom prst="rect">
+            <a:avLst/>
+          </a:prstGeom>
+        </p:spPr>
+      </p:pic>
+      <p:pic>
+        <p:nvPicPr>
+          <p:cNvPr id="9" name="Object 8"/>
+          <p:cNvPicPr>
+            <a:picLocks noChangeAspect="1"/>
+          </p:cNvPicPr>
+          <p:nvPr/>
+        </p:nvPicPr>
+        <p:blipFill>
+          <a:blip r:embed="rId5" cstate="print"/>
+          <a:stretch>
+            <a:fillRect/>
+          </a:stretch>
+        </p:blipFill>
+        <p:spPr>
+          <a:xfrm>
+            <a:off x="17064137" y="337377"/>
+            <a:ext cx="829197" cy="702966"/>
+          </a:xfrm>
+          <a:prstGeom prst="rect">
+            <a:avLst/>
+          </a:prstGeom>
+        </p:spPr>
+      </p:pic>
+    </p:spTree>
+    <p:extLst>
+      <p:ext uri="{BB962C8B-B14F-4D97-AF65-F5344CB8AC3E}">
+        <p14:creationId xmlns:p14="http://schemas.microsoft.com/office/powerpoint/2010/main" val="2386014391"/>
+      </p:ext>
+    </p:extLst>
+  </p:cSld>
+  <p:clrMapOvr>
+    <a:masterClrMapping/>
+  </p:clrMapOvr>
+</p:sld>
+</file>
+
+<file path=ppt/slides/slide21.xml><?xml version="1.0" encoding="utf-8"?>
 <p:sld xmlns:a="http://schemas.openxmlformats.org/drawingml/2006/main" xmlns:r="http://schemas.openxmlformats.org/officeDocument/2006/relationships" xmlns:p="http://schemas.openxmlformats.org/presentationml/2006/main">
   <p:cSld name="Slide 20">
     <p:bg>
@@ -13345,299 +13126,4 @@
   <a:objectDefaults/>
   <a:extraClrSchemeLst/>
 </a:theme>
-</file>
-
-<file path=ppt/theme/theme2.xml><?xml version="1.0" encoding="utf-8"?>
-<a:theme xmlns:a="http://schemas.openxmlformats.org/drawingml/2006/main" name="Office 테마">
-  <a:themeElements>
-    <a:clrScheme name="Office">
-      <a:dk1>
-        <a:sysClr val="windowText" lastClr="000000"/>
-      </a:dk1>
-      <a:lt1>
-        <a:sysClr val="window" lastClr="FFFFFF"/>
-      </a:lt1>
-      <a:dk2>
-        <a:srgbClr val="44546A"/>
-      </a:dk2>
-      <a:lt2>
-        <a:srgbClr val="E7E6E6"/>
-      </a:lt2>
-      <a:accent1>
-        <a:srgbClr val="4472C4"/>
-      </a:accent1>
-      <a:accent2>
-        <a:srgbClr val="ED7D31"/>
-      </a:accent2>
-      <a:accent3>
-        <a:srgbClr val="A5A5A5"/>
-      </a:accent3>
-      <a:accent4>
-        <a:srgbClr val="FFC000"/>
-      </a:accent4>
-      <a:accent5>
-        <a:srgbClr val="5B9BD5"/>
-      </a:accent5>
-      <a:accent6>
-        <a:srgbClr val="70AD47"/>
-      </a:accent6>
-      <a:hlink>
-        <a:srgbClr val="0563C1"/>
-      </a:hlink>
-      <a:folHlink>
-        <a:srgbClr val="954F72"/>
-      </a:folHlink>
-    </a:clrScheme>
-    <a:fontScheme name="Office">
-      <a:majorFont>
-        <a:latin typeface="맑은 고딕" panose="020F0302020204030204"/>
-        <a:ea typeface=""/>
-        <a:cs typeface=""/>
-        <a:font script="Jpan" typeface="游ゴシック Light"/>
-        <a:font script="Hang" typeface="맑은 고딕"/>
-        <a:font script="Hans" typeface="等线 Light"/>
-        <a:font script="Hant" typeface="新細明體"/>
-        <a:font script="Arab" typeface="Times New Roman"/>
-        <a:font script="Hebr" typeface="Times New Roman"/>
-        <a:font script="Thai" typeface="Angsana New"/>
-        <a:font script="Ethi" typeface="Nyala"/>
-        <a:font script="Beng" typeface="Vrinda"/>
-        <a:font script="Gujr" typeface="Shruti"/>
-        <a:font script="Khmr" typeface="MoolBoran"/>
-        <a:font script="Knda" typeface="Tunga"/>
-        <a:font script="Guru" typeface="Raavi"/>
-        <a:font script="Cans" typeface="Euphemia"/>
-        <a:font script="Cher" typeface="Plantagenet Cherokee"/>
-        <a:font script="Yiii" typeface="Microsoft Yi Baiti"/>
-        <a:font script="Tibt" typeface="Microsoft Himalaya"/>
-        <a:font script="Thaa" typeface="MV Boli"/>
-        <a:font script="Deva" typeface="Mangal"/>
-        <a:font script="Telu" typeface="Gautami"/>
-        <a:font script="Taml" typeface="Latha"/>
-        <a:font script="Syrc" typeface="Estrangelo Edessa"/>
-        <a:font script="Orya" typeface="Kalinga"/>
-        <a:font script="Mlym" typeface="Kartika"/>
-        <a:font script="Laoo" typeface="DokChampa"/>
-        <a:font script="Sinh" typeface="Iskoola Pota"/>
-        <a:font script="Mong" typeface="Mongolian Baiti"/>
-        <a:font script="Viet" typeface="Times New Roman"/>
-        <a:font script="Uigh" typeface="Microsoft Uighur"/>
-        <a:font script="Geor" typeface="Sylfaen"/>
-        <a:font script="Armn" typeface="Arial"/>
-        <a:font script="Bugi" typeface="Leelawadee UI"/>
-        <a:font script="Bopo" typeface="Microsoft JhengHei"/>
-        <a:font script="Java" typeface="Javanese Text"/>
-        <a:font script="Lisu" typeface="Segoe UI"/>
-        <a:font script="Mymr" typeface="Myanmar Text"/>
-        <a:font script="Nkoo" typeface="Ebrima"/>
-        <a:font script="Olck" typeface="Nirmala UI"/>
-        <a:font script="Osma" typeface="Ebrima"/>
-        <a:font script="Phag" typeface="Phagspa"/>
-        <a:font script="Syrn" typeface="Estrangelo Edessa"/>
-        <a:font script="Syrj" typeface="Estrangelo Edessa"/>
-        <a:font script="Syre" typeface="Estrangelo Edessa"/>
-        <a:font script="Sora" typeface="Nirmala UI"/>
-        <a:font script="Tale" typeface="Microsoft Tai Le"/>
-        <a:font script="Talu" typeface="Microsoft New Tai Lue"/>
-        <a:font script="Tfng" typeface="Ebrima"/>
-      </a:majorFont>
-      <a:minorFont>
-        <a:latin typeface="맑은 고딕" panose="020F0502020204030204"/>
-        <a:ea typeface=""/>
-        <a:cs typeface=""/>
-        <a:font script="Jpan" typeface="游ゴシック"/>
-        <a:font script="Hang" typeface="맑은 고딕"/>
-        <a:font script="Hans" typeface="等线"/>
-        <a:font script="Hant" typeface="新細明體"/>
-        <a:font script="Arab" typeface="Arial"/>
-        <a:font script="Hebr" typeface="Arial"/>
-        <a:font script="Thai" typeface="Cordia New"/>
-        <a:font script="Ethi" typeface="Nyala"/>
-        <a:font script="Beng" typeface="Vrinda"/>
-        <a:font script="Gujr" typeface="Shruti"/>
-        <a:font script="Khmr" typeface="DaunPenh"/>
-        <a:font script="Knda" typeface="Tunga"/>
-        <a:font script="Guru" typeface="Raavi"/>
-        <a:font script="Cans" typeface="Euphemia"/>
-        <a:font script="Cher" typeface="Plantagenet Cherokee"/>
-        <a:font script="Yiii" typeface="Microsoft Yi Baiti"/>
-        <a:font script="Tibt" typeface="Microsoft Himalaya"/>
-        <a:font script="Thaa" typeface="MV Boli"/>
-        <a:font script="Deva" typeface="Mangal"/>
-        <a:font script="Telu" typeface="Gautami"/>
-        <a:font script="Taml" typeface="Latha"/>
-        <a:font script="Syrc" typeface="Estrangelo Edessa"/>
-        <a:font script="Orya" typeface="Kalinga"/>
-        <a:font script="Mlym" typeface="Kartika"/>
-        <a:font script="Laoo" typeface="DokChampa"/>
-        <a:font script="Sinh" typeface="Iskoola Pota"/>
-        <a:font script="Mong" typeface="Mongolian Baiti"/>
-        <a:font script="Viet" typeface="Arial"/>
-        <a:font script="Uigh" typeface="Microsoft Uighur"/>
-        <a:font script="Geor" typeface="Sylfaen"/>
-        <a:font script="Armn" typeface="Arial"/>
-        <a:font script="Bugi" typeface="Leelawadee UI"/>
-        <a:font script="Bopo" typeface="Microsoft JhengHei"/>
-        <a:font script="Java" typeface="Javanese Text"/>
-        <a:font script="Lisu" typeface="Segoe UI"/>
-        <a:font script="Mymr" typeface="Myanmar Text"/>
-        <a:font script="Nkoo" typeface="Ebrima"/>
-        <a:font script="Olck" typeface="Nirmala UI"/>
-        <a:font script="Osma" typeface="Ebrima"/>
-        <a:font script="Phag" typeface="Phagspa"/>
-        <a:font script="Syrn" typeface="Estrangelo Edessa"/>
-        <a:font script="Syrj" typeface="Estrangelo Edessa"/>
-        <a:font script="Syre" typeface="Estrangelo Edessa"/>
-        <a:font script="Sora" typeface="Nirmala UI"/>
-        <a:font script="Tale" typeface="Microsoft Tai Le"/>
-        <a:font script="Talu" typeface="Microsoft New Tai Lue"/>
-        <a:font script="Tfng" typeface="Ebrima"/>
-      </a:minorFont>
-    </a:fontScheme>
-    <a:fmtScheme name="Office">
-      <a:fillStyleLst>
-        <a:solidFill>
-          <a:schemeClr val="phClr"/>
-        </a:solidFill>
-        <a:gradFill rotWithShape="1">
-          <a:gsLst>
-            <a:gs pos="0">
-              <a:schemeClr val="phClr">
-                <a:lumMod val="110000"/>
-                <a:satMod val="105000"/>
-                <a:tint val="67000"/>
-              </a:schemeClr>
-            </a:gs>
-            <a:gs pos="50000">
-              <a:schemeClr val="phClr">
-                <a:lumMod val="105000"/>
-                <a:satMod val="103000"/>
-                <a:tint val="73000"/>
-              </a:schemeClr>
-            </a:gs>
-            <a:gs pos="100000">
-              <a:schemeClr val="phClr">
-                <a:lumMod val="105000"/>
-                <a:satMod val="109000"/>
-                <a:tint val="81000"/>
-              </a:schemeClr>
-            </a:gs>
-          </a:gsLst>
-          <a:lin ang="5400000" scaled="0"/>
-        </a:gradFill>
-        <a:gradFill rotWithShape="1">
-          <a:gsLst>
-            <a:gs pos="0">
-              <a:schemeClr val="phClr">
-                <a:satMod val="103000"/>
-                <a:lumMod val="102000"/>
-                <a:tint val="94000"/>
-              </a:schemeClr>
-            </a:gs>
-            <a:gs pos="50000">
-              <a:schemeClr val="phClr">
-                <a:satMod val="110000"/>
-                <a:lumMod val="100000"/>
-                <a:shade val="100000"/>
-              </a:schemeClr>
-            </a:gs>
-            <a:gs pos="100000">
-              <a:schemeClr val="phClr">
-                <a:lumMod val="99000"/>
-                <a:satMod val="120000"/>
-                <a:shade val="78000"/>
-              </a:schemeClr>
-            </a:gs>
-          </a:gsLst>
-          <a:lin ang="5400000" scaled="0"/>
-        </a:gradFill>
-      </a:fillStyleLst>
-      <a:lnStyleLst>
-        <a:ln w="6350" cap="flat" cmpd="sng" algn="ctr">
-          <a:solidFill>
-            <a:schemeClr val="phClr"/>
-          </a:solidFill>
-          <a:prstDash val="solid"/>
-          <a:miter lim="800000"/>
-        </a:ln>
-        <a:ln w="12700" cap="flat" cmpd="sng" algn="ctr">
-          <a:solidFill>
-            <a:schemeClr val="phClr"/>
-          </a:solidFill>
-          <a:prstDash val="solid"/>
-          <a:miter lim="800000"/>
-        </a:ln>
-        <a:ln w="19050" cap="flat" cmpd="sng" algn="ctr">
-          <a:solidFill>
-            <a:schemeClr val="phClr"/>
-          </a:solidFill>
-          <a:prstDash val="solid"/>
-          <a:miter lim="800000"/>
-        </a:ln>
-      </a:lnStyleLst>
-      <a:effectStyleLst>
-        <a:effectStyle>
-          <a:effectLst/>
-        </a:effectStyle>
-        <a:effectStyle>
-          <a:effectLst/>
-        </a:effectStyle>
-        <a:effectStyle>
-          <a:effectLst>
-            <a:outerShdw blurRad="57150" dist="19050" dir="5400000" algn="ctr" rotWithShape="0">
-              <a:srgbClr val="000000">
-                <a:alpha val="63000"/>
-              </a:srgbClr>
-            </a:outerShdw>
-          </a:effectLst>
-        </a:effectStyle>
-      </a:effectStyleLst>
-      <a:bgFillStyleLst>
-        <a:solidFill>
-          <a:schemeClr val="phClr"/>
-        </a:solidFill>
-        <a:solidFill>
-          <a:schemeClr val="phClr">
-            <a:tint val="95000"/>
-            <a:satMod val="170000"/>
-          </a:schemeClr>
-        </a:solidFill>
-        <a:gradFill rotWithShape="1">
-          <a:gsLst>
-            <a:gs pos="0">
-              <a:schemeClr val="phClr">
-                <a:tint val="93000"/>
-                <a:satMod val="150000"/>
-                <a:shade val="98000"/>
-                <a:lumMod val="102000"/>
-              </a:schemeClr>
-            </a:gs>
-            <a:gs pos="50000">
-              <a:schemeClr val="phClr">
-                <a:tint val="98000"/>
-                <a:satMod val="130000"/>
-                <a:shade val="90000"/>
-                <a:lumMod val="103000"/>
-              </a:schemeClr>
-            </a:gs>
-            <a:gs pos="100000">
-              <a:schemeClr val="phClr">
-                <a:shade val="63000"/>
-                <a:satMod val="120000"/>
-              </a:schemeClr>
-            </a:gs>
-          </a:gsLst>
-          <a:lin ang="5400000" scaled="0"/>
-        </a:gradFill>
-      </a:bgFillStyleLst>
-    </a:fmtScheme>
-  </a:themeElements>
-  <a:objectDefaults/>
-  <a:extraClrSchemeLst/>
-  <a:extLst>
-    <a:ext uri="{05A4C25C-085E-4340-85A3-A5531E510DB2}">
-      <thm15:themeFamily xmlns:thm15="http://schemas.microsoft.com/office/thememl/2012/main" name="Office Theme" id="{62F939B6-93AF-4DB8-9C6B-D6C7DFDC589F}" vid="{4A3C46E8-61CC-4603-A589-7422A47A8E4A}"/>
-    </a:ext>
-  </a:extLst>
-</a:theme>
 </file>